--- a/HTTP.pptx
+++ b/HTTP.pptx
@@ -20,6 +20,11 @@
     <p:sldId id="267" r:id="rId15"/>
     <p:sldId id="268" r:id="rId16"/>
     <p:sldId id="269" r:id="rId17"/>
+    <p:sldId id="270" r:id="rId18"/>
+    <p:sldId id="271" r:id="rId19"/>
+    <p:sldId id="272" r:id="rId20"/>
+    <p:sldId id="273" r:id="rId21"/>
+    <p:sldId id="274" r:id="rId22"/>
   </p:sldIdLst>
   <p:sldSz cx="9144000" cy="6858000"/>
   <p:notesSz cx="6858000" cy="9144000"/>
@@ -2390,7 +2395,7 @@
                 <a:spcPct val="100000"/>
               </a:lnSpc>
             </a:pPr>
-            <a:fld id="{6F515A3E-12E5-4D3E-960C-F4C7CC61CBED}" type="slidenum">
+            <a:fld id="{557F084F-CB38-4895-81AD-DA84CF957C6C}" type="slidenum">
               <a:rPr lang="es-VE" sz="1300" strike="noStrike">
                 <a:solidFill>
                   <a:srgbClr val="000000"/>
@@ -2742,7 +2747,7 @@
                 <a:spcPct val="100000"/>
               </a:lnSpc>
             </a:pPr>
-            <a:fld id="{B874D8DD-1D83-4546-8E8D-24634A71F64B}" type="slidenum">
+            <a:fld id="{E8A29385-70B1-4589-855F-FF633FB7D575}" type="slidenum">
               <a:rPr lang="es-VE" sz="1300" strike="noStrike">
                 <a:solidFill>
                   <a:srgbClr val="000000"/>
@@ -3384,7 +3389,7 @@
         </p:nvSpPr>
         <p:spPr>
           <a:xfrm>
-            <a:off x="457200" y="274680"/>
+            <a:off x="412560" y="-69840"/>
             <a:ext cx="8229240" cy="1143000"/>
           </a:xfrm>
           <a:prstGeom prst="rect">
@@ -3411,41 +3416,15 @@
                 <a:latin typeface="Arial"/>
                 <a:ea typeface="Arial"/>
               </a:rPr>
-              <a:t>Respuestas</a:t>
-            </a:r>
-            <a:endParaRPr/>
-          </a:p>
-        </p:txBody>
-      </p:sp>
-      <p:sp>
-        <p:nvSpPr>
-          <p:cNvPr id="102" name="TextShape 2"/>
-          <p:cNvSpPr txBox="1"/>
-          <p:nvPr/>
-        </p:nvSpPr>
-        <p:spPr>
-          <a:xfrm>
-            <a:off x="457200" y="1600200"/>
-            <a:ext cx="8229240" cy="4967280"/>
-          </a:xfrm>
-          <a:prstGeom prst="rect">
-            <a:avLst/>
-          </a:prstGeom>
-          <a:noFill/>
-          <a:ln>
-            <a:noFill/>
-          </a:ln>
-        </p:spPr>
-        <p:txBody>
-          <a:bodyPr tIns="91440" bIns="91440"/>
-          <a:p>
+              <a:t>Encabezados de respuesta</a:t>
+            </a:r>
             <a:endParaRPr/>
           </a:p>
         </p:txBody>
       </p:sp>
       <p:pic>
         <p:nvPicPr>
-          <p:cNvPr id="103" name="Shape 111" descr=""/>
+          <p:cNvPr id="102" name="Shape 110" descr=""/>
           <p:cNvPicPr/>
           <p:nvPr/>
         </p:nvPicPr>
@@ -3455,8 +3434,8 @@
         </p:blipFill>
         <p:spPr>
           <a:xfrm>
-            <a:off x="457200" y="1742400"/>
-            <a:ext cx="8126640" cy="4627800"/>
+            <a:off x="819000" y="1073520"/>
+            <a:ext cx="7416360" cy="5686920"/>
           </a:xfrm>
           <a:prstGeom prst="rect">
             <a:avLst/>
@@ -3475,6 +3454,572 @@
           <p:childTnLst>
             <p:seq>
               <p:cTn id="28" nodeType="mainSeq"/>
+              <p:prevCondLst>
+                <p:cond delay="0" evt="onPrev">
+                  <p:tgtEl>
+                    <p:sldTgt/>
+                  </p:tgtEl>
+                </p:cond>
+              </p:prevCondLst>
+              <p:nextCondLst>
+                <p:cond delay="0" evt="onNext">
+                  <p:tgtEl>
+                    <p:sldTgt/>
+                  </p:tgtEl>
+                </p:cond>
+              </p:nextCondLst>
+            </p:seq>
+          </p:childTnLst>
+        </p:cTn>
+      </p:par>
+    </p:tnLst>
+  </p:timing>
+</p:sld>
+</file>
+
+<file path=ppt/slides/slide15.xml><?xml version="1.0" encoding="utf-8"?>
+<p:sld xmlns:a="http://schemas.openxmlformats.org/drawingml/2006/main" xmlns:p="http://schemas.openxmlformats.org/presentationml/2006/main" xmlns:r="http://schemas.openxmlformats.org/officeDocument/2006/relationships">
+  <p:cSld>
+    <p:spTree>
+      <p:nvGrpSpPr>
+        <p:cNvPr id="1" name=""/>
+        <p:cNvGrpSpPr/>
+        <p:nvPr/>
+      </p:nvGrpSpPr>
+      <p:grpSpPr>
+        <a:xfrm>
+          <a:off x="0" y="0"/>
+          <a:ext cx="0" cy="0"/>
+          <a:chOff x="0" y="0"/>
+          <a:chExt cx="0" cy="0"/>
+        </a:xfrm>
+      </p:grpSpPr>
+      <p:sp>
+        <p:nvSpPr>
+          <p:cNvPr id="103" name="TextShape 1"/>
+          <p:cNvSpPr txBox="1"/>
+          <p:nvPr/>
+        </p:nvSpPr>
+        <p:spPr>
+          <a:xfrm>
+            <a:off x="457200" y="274680"/>
+            <a:ext cx="8229240" cy="1143000"/>
+          </a:xfrm>
+          <a:prstGeom prst="rect">
+            <a:avLst/>
+          </a:prstGeom>
+          <a:noFill/>
+          <a:ln>
+            <a:noFill/>
+          </a:ln>
+        </p:spPr>
+        <p:txBody>
+          <a:bodyPr tIns="91440" bIns="91440" anchor="b"/>
+          <a:p>
+            <a:pPr>
+              <a:lnSpc>
+                <a:spcPct val="100000"/>
+              </a:lnSpc>
+            </a:pPr>
+            <a:r>
+              <a:rPr b="1" lang="es-VE" sz="3600" strike="noStrike">
+                <a:solidFill>
+                  <a:srgbClr val="000000"/>
+                </a:solidFill>
+                <a:latin typeface="Arial"/>
+                <a:ea typeface="Arial"/>
+              </a:rPr>
+              <a:t>Código de Respuestas</a:t>
+            </a:r>
+            <a:endParaRPr/>
+          </a:p>
+        </p:txBody>
+      </p:sp>
+      <p:pic>
+        <p:nvPicPr>
+          <p:cNvPr id="104" name="Shape 116" descr=""/>
+          <p:cNvPicPr/>
+          <p:nvPr/>
+        </p:nvPicPr>
+        <p:blipFill>
+          <a:blip r:embed="rId1"/>
+          <a:stretch/>
+        </p:blipFill>
+        <p:spPr>
+          <a:xfrm>
+            <a:off x="457200" y="1742400"/>
+            <a:ext cx="8126640" cy="4627800"/>
+          </a:xfrm>
+          <a:prstGeom prst="rect">
+            <a:avLst/>
+          </a:prstGeom>
+          <a:ln>
+            <a:noFill/>
+          </a:ln>
+        </p:spPr>
+      </p:pic>
+    </p:spTree>
+  </p:cSld>
+  <p:timing>
+    <p:tnLst>
+      <p:par>
+        <p:cTn id="29" dur="indefinite" restart="never" nodeType="tmRoot">
+          <p:childTnLst>
+            <p:seq>
+              <p:cTn id="30" nodeType="mainSeq"/>
+              <p:prevCondLst>
+                <p:cond delay="0" evt="onPrev">
+                  <p:tgtEl>
+                    <p:sldTgt/>
+                  </p:tgtEl>
+                </p:cond>
+              </p:prevCondLst>
+              <p:nextCondLst>
+                <p:cond delay="0" evt="onNext">
+                  <p:tgtEl>
+                    <p:sldTgt/>
+                  </p:tgtEl>
+                </p:cond>
+              </p:nextCondLst>
+            </p:seq>
+          </p:childTnLst>
+        </p:cTn>
+      </p:par>
+    </p:tnLst>
+  </p:timing>
+</p:sld>
+</file>
+
+<file path=ppt/slides/slide16.xml><?xml version="1.0" encoding="utf-8"?>
+<p:sld xmlns:a="http://schemas.openxmlformats.org/drawingml/2006/main" xmlns:p="http://schemas.openxmlformats.org/presentationml/2006/main" xmlns:r="http://schemas.openxmlformats.org/officeDocument/2006/relationships">
+  <p:cSld>
+    <p:spTree>
+      <p:nvGrpSpPr>
+        <p:cNvPr id="1" name=""/>
+        <p:cNvGrpSpPr/>
+        <p:nvPr/>
+      </p:nvGrpSpPr>
+      <p:grpSpPr>
+        <a:xfrm>
+          <a:off x="0" y="0"/>
+          <a:ext cx="0" cy="0"/>
+          <a:chOff x="0" y="0"/>
+          <a:chExt cx="0" cy="0"/>
+        </a:xfrm>
+      </p:grpSpPr>
+      <p:sp>
+        <p:nvSpPr>
+          <p:cNvPr id="105" name="TextShape 1"/>
+          <p:cNvSpPr txBox="1"/>
+          <p:nvPr/>
+        </p:nvSpPr>
+        <p:spPr>
+          <a:xfrm>
+            <a:off x="551160" y="-172080"/>
+            <a:ext cx="8229240" cy="1143000"/>
+          </a:xfrm>
+          <a:prstGeom prst="rect">
+            <a:avLst/>
+          </a:prstGeom>
+          <a:noFill/>
+          <a:ln>
+            <a:noFill/>
+          </a:ln>
+        </p:spPr>
+        <p:txBody>
+          <a:bodyPr tIns="91440" bIns="91440" anchor="b"/>
+          <a:p>
+            <a:pPr>
+              <a:lnSpc>
+                <a:spcPct val="100000"/>
+              </a:lnSpc>
+            </a:pPr>
+            <a:r>
+              <a:rPr b="1" lang="es-VE" sz="3600" strike="noStrike">
+                <a:solidFill>
+                  <a:srgbClr val="000000"/>
+                </a:solidFill>
+                <a:latin typeface="Arial"/>
+                <a:ea typeface="Arial"/>
+              </a:rPr>
+              <a:t>Código de Respuesta</a:t>
+            </a:r>
+            <a:endParaRPr/>
+          </a:p>
+        </p:txBody>
+      </p:sp>
+      <p:pic>
+        <p:nvPicPr>
+          <p:cNvPr id="106" name="Shape 122" descr=""/>
+          <p:cNvPicPr/>
+          <p:nvPr/>
+        </p:nvPicPr>
+        <p:blipFill>
+          <a:blip r:embed="rId1"/>
+          <a:srcRect l="0" t="0" r="0" b="614930"/>
+          <a:stretch/>
+        </p:blipFill>
+        <p:spPr>
+          <a:xfrm>
+            <a:off x="689040" y="1064880"/>
+            <a:ext cx="7546680" cy="5604840"/>
+          </a:xfrm>
+          <a:prstGeom prst="rect">
+            <a:avLst/>
+          </a:prstGeom>
+          <a:ln>
+            <a:noFill/>
+          </a:ln>
+        </p:spPr>
+      </p:pic>
+    </p:spTree>
+  </p:cSld>
+  <p:timing>
+    <p:tnLst>
+      <p:par>
+        <p:cTn id="31" dur="indefinite" restart="never" nodeType="tmRoot">
+          <p:childTnLst>
+            <p:seq>
+              <p:cTn id="32" nodeType="mainSeq"/>
+              <p:prevCondLst>
+                <p:cond delay="0" evt="onPrev">
+                  <p:tgtEl>
+                    <p:sldTgt/>
+                  </p:tgtEl>
+                </p:cond>
+              </p:prevCondLst>
+              <p:nextCondLst>
+                <p:cond delay="0" evt="onNext">
+                  <p:tgtEl>
+                    <p:sldTgt/>
+                  </p:tgtEl>
+                </p:cond>
+              </p:nextCondLst>
+            </p:seq>
+          </p:childTnLst>
+        </p:cTn>
+      </p:par>
+    </p:tnLst>
+  </p:timing>
+</p:sld>
+</file>
+
+<file path=ppt/slides/slide17.xml><?xml version="1.0" encoding="utf-8"?>
+<p:sld xmlns:a="http://schemas.openxmlformats.org/drawingml/2006/main" xmlns:p="http://schemas.openxmlformats.org/presentationml/2006/main" xmlns:r="http://schemas.openxmlformats.org/officeDocument/2006/relationships">
+  <p:cSld>
+    <p:spTree>
+      <p:nvGrpSpPr>
+        <p:cNvPr id="1" name=""/>
+        <p:cNvGrpSpPr/>
+        <p:nvPr/>
+      </p:nvGrpSpPr>
+      <p:grpSpPr>
+        <a:xfrm>
+          <a:off x="0" y="0"/>
+          <a:ext cx="0" cy="0"/>
+          <a:chOff x="0" y="0"/>
+          <a:chExt cx="0" cy="0"/>
+        </a:xfrm>
+      </p:grpSpPr>
+      <p:sp>
+        <p:nvSpPr>
+          <p:cNvPr id="107" name="TextShape 1"/>
+          <p:cNvSpPr txBox="1"/>
+          <p:nvPr/>
+        </p:nvSpPr>
+        <p:spPr>
+          <a:xfrm>
+            <a:off x="457200" y="-195120"/>
+            <a:ext cx="8229240" cy="1143000"/>
+          </a:xfrm>
+          <a:prstGeom prst="rect">
+            <a:avLst/>
+          </a:prstGeom>
+          <a:noFill/>
+          <a:ln>
+            <a:noFill/>
+          </a:ln>
+        </p:spPr>
+        <p:txBody>
+          <a:bodyPr tIns="91440" bIns="91440" anchor="b"/>
+          <a:p>
+            <a:pPr>
+              <a:lnSpc>
+                <a:spcPct val="100000"/>
+              </a:lnSpc>
+            </a:pPr>
+            <a:r>
+              <a:rPr b="1" lang="es-VE" sz="3600" strike="noStrike">
+                <a:solidFill>
+                  <a:srgbClr val="000000"/>
+                </a:solidFill>
+                <a:latin typeface="Arial"/>
+                <a:ea typeface="Arial"/>
+              </a:rPr>
+              <a:t>Código de Respuesta</a:t>
+            </a:r>
+            <a:endParaRPr/>
+          </a:p>
+        </p:txBody>
+      </p:sp>
+      <p:pic>
+        <p:nvPicPr>
+          <p:cNvPr id="108" name="Shape 128" descr=""/>
+          <p:cNvPicPr/>
+          <p:nvPr/>
+        </p:nvPicPr>
+        <p:blipFill>
+          <a:blip r:embed="rId1"/>
+          <a:stretch/>
+        </p:blipFill>
+        <p:spPr>
+          <a:xfrm>
+            <a:off x="845640" y="948240"/>
+            <a:ext cx="7280280" cy="5835960"/>
+          </a:xfrm>
+          <a:prstGeom prst="rect">
+            <a:avLst/>
+          </a:prstGeom>
+          <a:ln>
+            <a:noFill/>
+          </a:ln>
+        </p:spPr>
+      </p:pic>
+    </p:spTree>
+  </p:cSld>
+  <p:timing>
+    <p:tnLst>
+      <p:par>
+        <p:cTn id="33" dur="indefinite" restart="never" nodeType="tmRoot">
+          <p:childTnLst>
+            <p:seq>
+              <p:cTn id="34" nodeType="mainSeq"/>
+              <p:prevCondLst>
+                <p:cond delay="0" evt="onPrev">
+                  <p:tgtEl>
+                    <p:sldTgt/>
+                  </p:tgtEl>
+                </p:cond>
+              </p:prevCondLst>
+              <p:nextCondLst>
+                <p:cond delay="0" evt="onNext">
+                  <p:tgtEl>
+                    <p:sldTgt/>
+                  </p:tgtEl>
+                </p:cond>
+              </p:nextCondLst>
+            </p:seq>
+          </p:childTnLst>
+        </p:cTn>
+      </p:par>
+    </p:tnLst>
+  </p:timing>
+</p:sld>
+</file>
+
+<file path=ppt/slides/slide18.xml><?xml version="1.0" encoding="utf-8"?>
+<p:sld xmlns:a="http://schemas.openxmlformats.org/drawingml/2006/main" xmlns:p="http://schemas.openxmlformats.org/presentationml/2006/main" xmlns:r="http://schemas.openxmlformats.org/officeDocument/2006/relationships">
+  <p:cSld>
+    <p:spTree>
+      <p:nvGrpSpPr>
+        <p:cNvPr id="1" name=""/>
+        <p:cNvGrpSpPr/>
+        <p:nvPr/>
+      </p:nvGrpSpPr>
+      <p:grpSpPr>
+        <a:xfrm>
+          <a:off x="0" y="0"/>
+          <a:ext cx="0" cy="0"/>
+          <a:chOff x="0" y="0"/>
+          <a:chExt cx="0" cy="0"/>
+        </a:xfrm>
+      </p:grpSpPr>
+      <p:sp>
+        <p:nvSpPr>
+          <p:cNvPr id="109" name="TextShape 1"/>
+          <p:cNvSpPr txBox="1"/>
+          <p:nvPr/>
+        </p:nvSpPr>
+        <p:spPr>
+          <a:xfrm>
+            <a:off x="300600" y="-187920"/>
+            <a:ext cx="8229240" cy="1143000"/>
+          </a:xfrm>
+          <a:prstGeom prst="rect">
+            <a:avLst/>
+          </a:prstGeom>
+          <a:noFill/>
+          <a:ln>
+            <a:noFill/>
+          </a:ln>
+        </p:spPr>
+        <p:txBody>
+          <a:bodyPr tIns="91440" bIns="91440" anchor="b"/>
+          <a:p>
+            <a:pPr>
+              <a:lnSpc>
+                <a:spcPct val="100000"/>
+              </a:lnSpc>
+            </a:pPr>
+            <a:r>
+              <a:rPr b="1" lang="es-VE" sz="3600" strike="noStrike">
+                <a:solidFill>
+                  <a:srgbClr val="000000"/>
+                </a:solidFill>
+                <a:latin typeface="Arial"/>
+                <a:ea typeface="Arial"/>
+              </a:rPr>
+              <a:t>Código de Respuesta</a:t>
+            </a:r>
+            <a:endParaRPr/>
+          </a:p>
+        </p:txBody>
+      </p:sp>
+      <p:pic>
+        <p:nvPicPr>
+          <p:cNvPr id="110" name="Shape 134" descr=""/>
+          <p:cNvPicPr/>
+          <p:nvPr/>
+        </p:nvPicPr>
+        <p:blipFill>
+          <a:blip r:embed="rId1"/>
+          <a:stretch/>
+        </p:blipFill>
+        <p:spPr>
+          <a:xfrm>
+            <a:off x="660600" y="955440"/>
+            <a:ext cx="7465320" cy="5777280"/>
+          </a:xfrm>
+          <a:prstGeom prst="rect">
+            <a:avLst/>
+          </a:prstGeom>
+          <a:ln>
+            <a:noFill/>
+          </a:ln>
+        </p:spPr>
+      </p:pic>
+    </p:spTree>
+  </p:cSld>
+  <p:timing>
+    <p:tnLst>
+      <p:par>
+        <p:cTn id="35" dur="indefinite" restart="never" nodeType="tmRoot">
+          <p:childTnLst>
+            <p:seq>
+              <p:cTn id="36" nodeType="mainSeq"/>
+              <p:prevCondLst>
+                <p:cond delay="0" evt="onPrev">
+                  <p:tgtEl>
+                    <p:sldTgt/>
+                  </p:tgtEl>
+                </p:cond>
+              </p:prevCondLst>
+              <p:nextCondLst>
+                <p:cond delay="0" evt="onNext">
+                  <p:tgtEl>
+                    <p:sldTgt/>
+                  </p:tgtEl>
+                </p:cond>
+              </p:nextCondLst>
+            </p:seq>
+          </p:childTnLst>
+        </p:cTn>
+      </p:par>
+    </p:tnLst>
+  </p:timing>
+</p:sld>
+</file>
+
+<file path=ppt/slides/slide19.xml><?xml version="1.0" encoding="utf-8"?>
+<p:sld xmlns:a="http://schemas.openxmlformats.org/drawingml/2006/main" xmlns:p="http://schemas.openxmlformats.org/presentationml/2006/main" xmlns:r="http://schemas.openxmlformats.org/officeDocument/2006/relationships">
+  <p:cSld>
+    <p:spTree>
+      <p:nvGrpSpPr>
+        <p:cNvPr id="1" name=""/>
+        <p:cNvGrpSpPr/>
+        <p:nvPr/>
+      </p:nvGrpSpPr>
+      <p:grpSpPr>
+        <a:xfrm>
+          <a:off x="0" y="0"/>
+          <a:ext cx="0" cy="0"/>
+          <a:chOff x="0" y="0"/>
+          <a:chExt cx="0" cy="0"/>
+        </a:xfrm>
+      </p:grpSpPr>
+      <p:sp>
+        <p:nvSpPr>
+          <p:cNvPr id="111" name="TextShape 1"/>
+          <p:cNvSpPr txBox="1"/>
+          <p:nvPr/>
+        </p:nvSpPr>
+        <p:spPr>
+          <a:xfrm>
+            <a:off x="269280" y="-172440"/>
+            <a:ext cx="8229240" cy="1143000"/>
+          </a:xfrm>
+          <a:prstGeom prst="rect">
+            <a:avLst/>
+          </a:prstGeom>
+          <a:noFill/>
+          <a:ln>
+            <a:noFill/>
+          </a:ln>
+        </p:spPr>
+        <p:txBody>
+          <a:bodyPr tIns="91440" bIns="91440" anchor="b"/>
+          <a:p>
+            <a:pPr>
+              <a:lnSpc>
+                <a:spcPct val="100000"/>
+              </a:lnSpc>
+            </a:pPr>
+            <a:r>
+              <a:rPr b="1" lang="es-VE" sz="3600" strike="noStrike">
+                <a:solidFill>
+                  <a:srgbClr val="000000"/>
+                </a:solidFill>
+                <a:latin typeface="Arial"/>
+                <a:ea typeface="Arial"/>
+              </a:rPr>
+              <a:t>Código de Respuesta</a:t>
+            </a:r>
+            <a:endParaRPr/>
+          </a:p>
+        </p:txBody>
+      </p:sp>
+      <p:pic>
+        <p:nvPicPr>
+          <p:cNvPr id="112" name="Shape 140" descr=""/>
+          <p:cNvPicPr/>
+          <p:nvPr/>
+        </p:nvPicPr>
+        <p:blipFill>
+          <a:blip r:embed="rId1"/>
+          <a:stretch/>
+        </p:blipFill>
+        <p:spPr>
+          <a:xfrm>
+            <a:off x="450360" y="1636560"/>
+            <a:ext cx="8048160" cy="4109400"/>
+          </a:xfrm>
+          <a:prstGeom prst="rect">
+            <a:avLst/>
+          </a:prstGeom>
+          <a:ln>
+            <a:noFill/>
+          </a:ln>
+        </p:spPr>
+      </p:pic>
+    </p:spTree>
+  </p:cSld>
+  <p:timing>
+    <p:tnLst>
+      <p:par>
+        <p:cTn id="37" dur="indefinite" restart="never" nodeType="tmRoot">
+          <p:childTnLst>
+            <p:seq>
+              <p:cTn id="38" nodeType="mainSeq"/>
               <p:prevCondLst>
                 <p:cond delay="0" evt="onPrev">
                   <p:tgtEl>
@@ -3523,7 +4068,7 @@
         </p:nvSpPr>
         <p:spPr>
           <a:xfrm>
-            <a:off x="432000" y="0"/>
+            <a:off x="457200" y="-144000"/>
             <a:ext cx="8229240" cy="1143000"/>
           </a:xfrm>
           <a:prstGeom prst="rect">
@@ -3564,7 +4109,7 @@
         </p:nvSpPr>
         <p:spPr>
           <a:xfrm>
-            <a:off x="457200" y="1152000"/>
+            <a:off x="457200" y="1026360"/>
             <a:ext cx="8229240" cy="4967280"/>
           </a:xfrm>
           <a:prstGeom prst="rect">
@@ -3603,7 +4148,7 @@
                 <a:latin typeface="Arial"/>
                 <a:ea typeface="Arial"/>
               </a:rPr>
-              <a:t>(World Wide Web - Red Informática Mundial) </a:t>
+              <a:t>(World Wide Web - Red Informática Mundial)</a:t>
             </a:r>
             <a:endParaRPr/>
           </a:p>
@@ -3615,6 +4160,16 @@
               <a:buFont typeface="Arial"/>
               <a:buChar char="➢"/>
             </a:pPr>
+            <a:r>
+              <a:rPr lang="es-VE" strike="noStrike">
+                <a:solidFill>
+                  <a:srgbClr val="000000"/>
+                </a:solidFill>
+                <a:latin typeface="Arial"/>
+                <a:ea typeface="Arial"/>
+              </a:rPr>
+              <a:t> </a:t>
+            </a:r>
             <a:endParaRPr/>
           </a:p>
           <a:p>
@@ -3832,7 +4387,7 @@
         </p:nvSpPr>
         <p:spPr>
           <a:xfrm>
-            <a:off x="482760" y="153000"/>
+            <a:off x="482760" y="0"/>
             <a:ext cx="8229240" cy="1143000"/>
           </a:xfrm>
           <a:prstGeom prst="rect">
@@ -3873,7 +4428,7 @@
         </p:nvSpPr>
         <p:spPr>
           <a:xfrm>
-            <a:off x="484200" y="1689840"/>
+            <a:off x="720000" y="1512720"/>
             <a:ext cx="8229240" cy="4967280"/>
           </a:xfrm>
           <a:prstGeom prst="rect">
